--- a/src/docs/PPT/final_presentation_project.pptx
+++ b/src/docs/PPT/final_presentation_project.pptx
@@ -225,7 +225,7 @@
           <a:p>
             <a:fld id="{2C4AA240-5B34-4555-9713-5B913C5A29AE}" type="datetimeFigureOut">
               <a:rPr lang="en-IN" smtClean="0"/>
-              <a:t>08-09-2023</a:t>
+              <a:t>14-09-2023</a:t>
             </a:fld>
             <a:endParaRPr lang="en-IN"/>
           </a:p>
@@ -642,7 +642,7 @@
           <a:p>
             <a:fld id="{096FF47B-ECA5-4BA2-8CA8-7CA24EEB9EBA}" type="datetimeFigureOut">
               <a:rPr lang="en-IN" smtClean="0"/>
-              <a:t>08-09-2023</a:t>
+              <a:t>14-09-2023</a:t>
             </a:fld>
             <a:endParaRPr lang="en-IN"/>
           </a:p>
@@ -842,7 +842,7 @@
           <a:p>
             <a:fld id="{096FF47B-ECA5-4BA2-8CA8-7CA24EEB9EBA}" type="datetimeFigureOut">
               <a:rPr lang="en-IN" smtClean="0"/>
-              <a:t>08-09-2023</a:t>
+              <a:t>14-09-2023</a:t>
             </a:fld>
             <a:endParaRPr lang="en-IN"/>
           </a:p>
@@ -1052,7 +1052,7 @@
           <a:p>
             <a:fld id="{096FF47B-ECA5-4BA2-8CA8-7CA24EEB9EBA}" type="datetimeFigureOut">
               <a:rPr lang="en-IN" smtClean="0"/>
-              <a:t>08-09-2023</a:t>
+              <a:t>14-09-2023</a:t>
             </a:fld>
             <a:endParaRPr lang="en-IN"/>
           </a:p>
@@ -1252,7 +1252,7 @@
           <a:p>
             <a:fld id="{096FF47B-ECA5-4BA2-8CA8-7CA24EEB9EBA}" type="datetimeFigureOut">
               <a:rPr lang="en-IN" smtClean="0"/>
-              <a:t>08-09-2023</a:t>
+              <a:t>14-09-2023</a:t>
             </a:fld>
             <a:endParaRPr lang="en-IN"/>
           </a:p>
@@ -1528,7 +1528,7 @@
           <a:p>
             <a:fld id="{096FF47B-ECA5-4BA2-8CA8-7CA24EEB9EBA}" type="datetimeFigureOut">
               <a:rPr lang="en-IN" smtClean="0"/>
-              <a:t>08-09-2023</a:t>
+              <a:t>14-09-2023</a:t>
             </a:fld>
             <a:endParaRPr lang="en-IN"/>
           </a:p>
@@ -1796,7 +1796,7 @@
           <a:p>
             <a:fld id="{096FF47B-ECA5-4BA2-8CA8-7CA24EEB9EBA}" type="datetimeFigureOut">
               <a:rPr lang="en-IN" smtClean="0"/>
-              <a:t>08-09-2023</a:t>
+              <a:t>14-09-2023</a:t>
             </a:fld>
             <a:endParaRPr lang="en-IN"/>
           </a:p>
@@ -2211,7 +2211,7 @@
           <a:p>
             <a:fld id="{096FF47B-ECA5-4BA2-8CA8-7CA24EEB9EBA}" type="datetimeFigureOut">
               <a:rPr lang="en-IN" smtClean="0"/>
-              <a:t>08-09-2023</a:t>
+              <a:t>14-09-2023</a:t>
             </a:fld>
             <a:endParaRPr lang="en-IN"/>
           </a:p>
@@ -2353,7 +2353,7 @@
           <a:p>
             <a:fld id="{096FF47B-ECA5-4BA2-8CA8-7CA24EEB9EBA}" type="datetimeFigureOut">
               <a:rPr lang="en-IN" smtClean="0"/>
-              <a:t>08-09-2023</a:t>
+              <a:t>14-09-2023</a:t>
             </a:fld>
             <a:endParaRPr lang="en-IN"/>
           </a:p>
@@ -2466,7 +2466,7 @@
           <a:p>
             <a:fld id="{096FF47B-ECA5-4BA2-8CA8-7CA24EEB9EBA}" type="datetimeFigureOut">
               <a:rPr lang="en-IN" smtClean="0"/>
-              <a:t>08-09-2023</a:t>
+              <a:t>14-09-2023</a:t>
             </a:fld>
             <a:endParaRPr lang="en-IN"/>
           </a:p>
@@ -2779,7 +2779,7 @@
           <a:p>
             <a:fld id="{096FF47B-ECA5-4BA2-8CA8-7CA24EEB9EBA}" type="datetimeFigureOut">
               <a:rPr lang="en-IN" smtClean="0"/>
-              <a:t>08-09-2023</a:t>
+              <a:t>14-09-2023</a:t>
             </a:fld>
             <a:endParaRPr lang="en-IN"/>
           </a:p>
@@ -3068,7 +3068,7 @@
           <a:p>
             <a:fld id="{096FF47B-ECA5-4BA2-8CA8-7CA24EEB9EBA}" type="datetimeFigureOut">
               <a:rPr lang="en-IN" smtClean="0"/>
-              <a:t>08-09-2023</a:t>
+              <a:t>14-09-2023</a:t>
             </a:fld>
             <a:endParaRPr lang="en-IN"/>
           </a:p>
@@ -3311,7 +3311,7 @@
           <a:p>
             <a:fld id="{096FF47B-ECA5-4BA2-8CA8-7CA24EEB9EBA}" type="datetimeFigureOut">
               <a:rPr lang="en-IN" smtClean="0"/>
-              <a:t>08-09-2023</a:t>
+              <a:t>14-09-2023</a:t>
             </a:fld>
             <a:endParaRPr lang="en-IN"/>
           </a:p>
